--- a/卒業論文/2013/土井貴司/卒論中間ポスター .pptx
+++ b/卒業論文/2013/土井貴司/卒論中間ポスター .pptx
@@ -193,7 +193,7 @@
             <a:fld id="{EC0EB58C-8A35-458C-95AD-7DF193BD4E4D}" type="datetimeFigureOut">
               <a:rPr kumimoji="1" lang="ja-JP" altLang="en-US" smtClean="0"/>
               <a:pPr/>
-              <a:t>2014/10/1</a:t>
+              <a:t>2014/10/16</a:t>
             </a:fld>
             <a:endParaRPr kumimoji="1" lang="ja-JP" altLang="en-US"/>
           </a:p>
@@ -765,7 +765,7 @@
             <a:fld id="{C8142244-99F7-406A-8A26-43C4486D79DC}" type="datetimeFigureOut">
               <a:rPr kumimoji="1" lang="ja-JP" altLang="en-US" smtClean="0"/>
               <a:pPr/>
-              <a:t>2014/10/1</a:t>
+              <a:t>2014/10/16</a:t>
             </a:fld>
             <a:endParaRPr kumimoji="1" lang="ja-JP" altLang="en-US"/>
           </a:p>
@@ -969,7 +969,7 @@
             <a:fld id="{C8142244-99F7-406A-8A26-43C4486D79DC}" type="datetimeFigureOut">
               <a:rPr kumimoji="1" lang="ja-JP" altLang="en-US" smtClean="0"/>
               <a:pPr/>
-              <a:t>2014/10/1</a:t>
+              <a:t>2014/10/16</a:t>
             </a:fld>
             <a:endParaRPr kumimoji="1" lang="ja-JP" altLang="en-US"/>
           </a:p>
@@ -1183,7 +1183,7 @@
             <a:fld id="{C8142244-99F7-406A-8A26-43C4486D79DC}" type="datetimeFigureOut">
               <a:rPr kumimoji="1" lang="ja-JP" altLang="en-US" smtClean="0"/>
               <a:pPr/>
-              <a:t>2014/10/1</a:t>
+              <a:t>2014/10/16</a:t>
             </a:fld>
             <a:endParaRPr kumimoji="1" lang="ja-JP" altLang="en-US"/>
           </a:p>
@@ -1387,7 +1387,7 @@
             <a:fld id="{C8142244-99F7-406A-8A26-43C4486D79DC}" type="datetimeFigureOut">
               <a:rPr kumimoji="1" lang="ja-JP" altLang="en-US" smtClean="0"/>
               <a:pPr/>
-              <a:t>2014/10/1</a:t>
+              <a:t>2014/10/16</a:t>
             </a:fld>
             <a:endParaRPr kumimoji="1" lang="ja-JP" altLang="en-US"/>
           </a:p>
@@ -1635,7 +1635,7 @@
             <a:fld id="{C8142244-99F7-406A-8A26-43C4486D79DC}" type="datetimeFigureOut">
               <a:rPr kumimoji="1" lang="ja-JP" altLang="en-US" smtClean="0"/>
               <a:pPr/>
-              <a:t>2014/10/1</a:t>
+              <a:t>2014/10/16</a:t>
             </a:fld>
             <a:endParaRPr kumimoji="1" lang="ja-JP" altLang="en-US"/>
           </a:p>
@@ -1989,7 +1989,7 @@
             <a:fld id="{C8142244-99F7-406A-8A26-43C4486D79DC}" type="datetimeFigureOut">
               <a:rPr kumimoji="1" lang="ja-JP" altLang="en-US" smtClean="0"/>
               <a:pPr/>
-              <a:t>2014/10/1</a:t>
+              <a:t>2014/10/16</a:t>
             </a:fld>
             <a:endParaRPr kumimoji="1" lang="ja-JP" altLang="en-US"/>
           </a:p>
@@ -2477,7 +2477,7 @@
             <a:fld id="{C8142244-99F7-406A-8A26-43C4486D79DC}" type="datetimeFigureOut">
               <a:rPr kumimoji="1" lang="ja-JP" altLang="en-US" smtClean="0"/>
               <a:pPr/>
-              <a:t>2014/10/1</a:t>
+              <a:t>2014/10/16</a:t>
             </a:fld>
             <a:endParaRPr kumimoji="1" lang="ja-JP" altLang="en-US"/>
           </a:p>
@@ -2597,7 +2597,7 @@
             <a:fld id="{C8142244-99F7-406A-8A26-43C4486D79DC}" type="datetimeFigureOut">
               <a:rPr kumimoji="1" lang="ja-JP" altLang="en-US" smtClean="0"/>
               <a:pPr/>
-              <a:t>2014/10/1</a:t>
+              <a:t>2014/10/16</a:t>
             </a:fld>
             <a:endParaRPr kumimoji="1" lang="ja-JP" altLang="en-US"/>
           </a:p>
@@ -2694,7 +2694,7 @@
             <a:fld id="{C8142244-99F7-406A-8A26-43C4486D79DC}" type="datetimeFigureOut">
               <a:rPr kumimoji="1" lang="ja-JP" altLang="en-US" smtClean="0"/>
               <a:pPr/>
-              <a:t>2014/10/1</a:t>
+              <a:t>2014/10/16</a:t>
             </a:fld>
             <a:endParaRPr kumimoji="1" lang="ja-JP" altLang="en-US"/>
           </a:p>
@@ -3005,7 +3005,7 @@
             <a:fld id="{C8142244-99F7-406A-8A26-43C4486D79DC}" type="datetimeFigureOut">
               <a:rPr kumimoji="1" lang="ja-JP" altLang="en-US" smtClean="0"/>
               <a:pPr/>
-              <a:t>2014/10/1</a:t>
+              <a:t>2014/10/16</a:t>
             </a:fld>
             <a:endParaRPr kumimoji="1" lang="ja-JP" altLang="en-US"/>
           </a:p>
@@ -3260,7 +3260,7 @@
             <a:fld id="{C8142244-99F7-406A-8A26-43C4486D79DC}" type="datetimeFigureOut">
               <a:rPr kumimoji="1" lang="ja-JP" altLang="en-US" smtClean="0"/>
               <a:pPr/>
-              <a:t>2014/10/1</a:t>
+              <a:t>2014/10/16</a:t>
             </a:fld>
             <a:endParaRPr kumimoji="1" lang="ja-JP" altLang="en-US"/>
           </a:p>
@@ -3507,7 +3507,7 @@
             <a:fld id="{C8142244-99F7-406A-8A26-43C4486D79DC}" type="datetimeFigureOut">
               <a:rPr kumimoji="1" lang="ja-JP" altLang="en-US" smtClean="0"/>
               <a:pPr/>
-              <a:t>2014/10/1</a:t>
+              <a:t>2014/10/16</a:t>
             </a:fld>
             <a:endParaRPr kumimoji="1" lang="ja-JP" altLang="en-US"/>
           </a:p>
@@ -3907,7 +3907,15 @@
           <a:p>
             <a:r>
               <a:rPr lang="ja-JP" altLang="en-US" sz="5400" b="1" dirty="0"/>
-              <a:t>リアルタイムに動画を処理するスマートフォンアプリケーションの開発</a:t>
+              <a:t>リアルタイムに動画を処理</a:t>
+            </a:r>
+            <a:r>
+              <a:rPr lang="ja-JP" altLang="en-US" sz="5400" b="1" dirty="0" smtClean="0"/>
+              <a:t>するスマートフォンアプリケーション</a:t>
+            </a:r>
+            <a:r>
+              <a:rPr lang="ja-JP" altLang="en-US" sz="5400" b="1" dirty="0"/>
+              <a:t>の開発</a:t>
             </a:r>
             <a:endParaRPr kumimoji="1" lang="ja-JP" altLang="en-US" sz="5400" b="1" dirty="0"/>
           </a:p>
@@ -3921,8 +3929,8 @@
         </p:nvSpPr>
         <p:spPr>
           <a:xfrm>
-            <a:off x="1116336" y="3580317"/>
-            <a:ext cx="3456384" cy="1015663"/>
+            <a:off x="994938" y="3258666"/>
+            <a:ext cx="3992586" cy="1107996"/>
           </a:xfrm>
           <a:prstGeom prst="rect">
             <a:avLst/>
@@ -3936,10 +3944,10 @@
           <a:lstStyle/>
           <a:p>
             <a:r>
-              <a:rPr kumimoji="1" lang="ja-JP" altLang="en-US" sz="6000" b="1" dirty="0" smtClean="0"/>
+              <a:rPr kumimoji="1" lang="ja-JP" altLang="en-US" sz="6600" b="1" dirty="0" smtClean="0"/>
               <a:t>研究背景</a:t>
             </a:r>
-            <a:endParaRPr kumimoji="1" lang="ja-JP" altLang="en-US" sz="6000" b="1" dirty="0"/>
+            <a:endParaRPr kumimoji="1" lang="ja-JP" altLang="en-US" sz="6600" b="1" dirty="0"/>
           </a:p>
         </p:txBody>
       </p:sp>
@@ -3951,8 +3959,8 @@
         </p:nvSpPr>
         <p:spPr>
           <a:xfrm>
-            <a:off x="972320" y="13074982"/>
-            <a:ext cx="3456384" cy="1015663"/>
+            <a:off x="972320" y="11323563"/>
+            <a:ext cx="4015204" cy="1107996"/>
           </a:xfrm>
           <a:prstGeom prst="rect">
             <a:avLst/>
@@ -3966,10 +3974,10 @@
           <a:lstStyle/>
           <a:p>
             <a:r>
-              <a:rPr kumimoji="1" lang="ja-JP" altLang="en-US" sz="6000" b="1" dirty="0" smtClean="0"/>
+              <a:rPr kumimoji="1" lang="ja-JP" altLang="en-US" sz="6600" b="1" dirty="0" smtClean="0"/>
               <a:t>研究目的</a:t>
             </a:r>
-            <a:endParaRPr kumimoji="1" lang="ja-JP" altLang="en-US" sz="6000" b="1" dirty="0"/>
+            <a:endParaRPr kumimoji="1" lang="ja-JP" altLang="en-US" sz="6600" b="1" dirty="0"/>
           </a:p>
         </p:txBody>
       </p:sp>
@@ -3981,8 +3989,8 @@
         </p:nvSpPr>
         <p:spPr>
           <a:xfrm>
-            <a:off x="972320" y="23660158"/>
-            <a:ext cx="6004582" cy="1015663"/>
+            <a:off x="972320" y="24401143"/>
+            <a:ext cx="6644802" cy="1107996"/>
           </a:xfrm>
           <a:prstGeom prst="rect">
             <a:avLst/>
@@ -3996,10 +4004,10 @@
           <a:lstStyle/>
           <a:p>
             <a:r>
-              <a:rPr kumimoji="1" lang="ja-JP" altLang="en-US" sz="6000" b="1" dirty="0" smtClean="0"/>
+              <a:rPr kumimoji="1" lang="ja-JP" altLang="en-US" sz="6600" b="1" dirty="0" smtClean="0"/>
               <a:t>成果物のイメージ</a:t>
             </a:r>
-            <a:endParaRPr kumimoji="1" lang="ja-JP" altLang="en-US" sz="6000" b="1" dirty="0"/>
+            <a:endParaRPr kumimoji="1" lang="ja-JP" altLang="en-US" sz="6600" b="1" dirty="0"/>
           </a:p>
         </p:txBody>
       </p:sp>
@@ -4043,198 +4051,13 @@
       </p:sp>
       <p:sp>
         <p:nvSpPr>
-          <p:cNvPr id="35" name="テキスト ボックス 34"/>
-          <p:cNvSpPr txBox="1"/>
-          <p:nvPr/>
-        </p:nvSpPr>
-        <p:spPr>
-          <a:xfrm>
-            <a:off x="4042576" y="17435907"/>
-            <a:ext cx="13285476" cy="2123658"/>
-          </a:xfrm>
-          <a:prstGeom prst="rect">
-            <a:avLst/>
-          </a:prstGeom>
-          <a:noFill/>
-        </p:spPr>
-        <p:txBody>
-          <a:bodyPr wrap="square" rtlCol="0">
-            <a:spAutoFit/>
-          </a:bodyPr>
-          <a:lstStyle/>
-          <a:p>
-            <a:pPr algn="ctr"/>
-            <a:r>
-              <a:rPr lang="ja-JP" altLang="en-US" sz="6600" b="1" dirty="0">
-                <a:solidFill>
-                  <a:srgbClr val="FF0000"/>
-                </a:solidFill>
-              </a:rPr>
-              <a:t>リアルタイムに動画を処理</a:t>
-            </a:r>
-            <a:r>
-              <a:rPr lang="ja-JP" altLang="en-US" sz="6600" b="1" dirty="0" smtClean="0">
-                <a:solidFill>
-                  <a:srgbClr val="FF0000"/>
-                </a:solidFill>
-              </a:rPr>
-              <a:t>する</a:t>
-            </a:r>
-            <a:endParaRPr lang="en-US" altLang="ja-JP" sz="6600" b="1" dirty="0" smtClean="0">
-              <a:solidFill>
-                <a:srgbClr val="FF0000"/>
-              </a:solidFill>
-            </a:endParaRPr>
-          </a:p>
-          <a:p>
-            <a:pPr algn="ctr"/>
-            <a:r>
-              <a:rPr lang="ja-JP" altLang="en-US" sz="6600" b="1" dirty="0" smtClean="0">
-                <a:solidFill>
-                  <a:srgbClr val="FF0000"/>
-                </a:solidFill>
-              </a:rPr>
-              <a:t>スマートフォンアプリケーション</a:t>
-            </a:r>
-            <a:r>
-              <a:rPr lang="ja-JP" altLang="en-US" sz="6600" b="1" dirty="0">
-                <a:solidFill>
-                  <a:srgbClr val="FF0000"/>
-                </a:solidFill>
-              </a:rPr>
-              <a:t>を開発</a:t>
-            </a:r>
-            <a:endParaRPr kumimoji="1" lang="ja-JP" altLang="en-US" sz="6600" b="1" dirty="0">
-              <a:solidFill>
-                <a:srgbClr val="FF0000"/>
-              </a:solidFill>
-            </a:endParaRPr>
-          </a:p>
-        </p:txBody>
-      </p:sp>
-      <p:sp>
-        <p:nvSpPr>
-          <p:cNvPr id="37" name="テキスト ボックス 36"/>
-          <p:cNvSpPr txBox="1"/>
-          <p:nvPr/>
-        </p:nvSpPr>
-        <p:spPr>
-          <a:xfrm>
-            <a:off x="468264" y="20675754"/>
-            <a:ext cx="10045116" cy="2123658"/>
-          </a:xfrm>
-          <a:prstGeom prst="rect">
-            <a:avLst/>
-          </a:prstGeom>
-          <a:noFill/>
-        </p:spPr>
-        <p:txBody>
-          <a:bodyPr wrap="square" rtlCol="0">
-            <a:spAutoFit/>
-          </a:bodyPr>
-          <a:lstStyle/>
-          <a:p>
-            <a:pPr algn="ctr"/>
-            <a:r>
-              <a:rPr lang="ja-JP" altLang="en-US" sz="4400" dirty="0" smtClean="0"/>
-              <a:t>・カメラアプリケーションのように</a:t>
-            </a:r>
-            <a:endParaRPr lang="en-US" altLang="ja-JP" sz="4400" dirty="0" smtClean="0"/>
-          </a:p>
-          <a:p>
-            <a:pPr algn="ctr"/>
-            <a:r>
-              <a:rPr lang="ja-JP" altLang="en-US" sz="4400" dirty="0" smtClean="0"/>
-              <a:t>誰</a:t>
-            </a:r>
-            <a:r>
-              <a:rPr lang="ja-JP" altLang="en-US" sz="4400" dirty="0"/>
-              <a:t>もがいつでも簡単に利用</a:t>
-            </a:r>
-            <a:r>
-              <a:rPr lang="ja-JP" altLang="en-US" sz="4400" dirty="0" smtClean="0"/>
-              <a:t>できる</a:t>
-            </a:r>
-            <a:endParaRPr lang="en-US" altLang="ja-JP" sz="4400" dirty="0" smtClean="0"/>
-          </a:p>
-          <a:p>
-            <a:pPr algn="ctr"/>
-            <a:r>
-              <a:rPr lang="ja-JP" altLang="en-US" sz="4400" dirty="0" smtClean="0"/>
-              <a:t>・編集</a:t>
-            </a:r>
-            <a:r>
-              <a:rPr lang="ja-JP" altLang="en-US" sz="4400" dirty="0"/>
-              <a:t>する時間と手間が省くことができる</a:t>
-            </a:r>
-            <a:endParaRPr kumimoji="1" lang="ja-JP" altLang="en-US" sz="4400" dirty="0"/>
-          </a:p>
-        </p:txBody>
-      </p:sp>
-      <p:sp>
-        <p:nvSpPr>
-          <p:cNvPr id="38" name="テキスト ボックス 37"/>
-          <p:cNvSpPr txBox="1"/>
-          <p:nvPr/>
-        </p:nvSpPr>
-        <p:spPr>
-          <a:xfrm>
-            <a:off x="11933189" y="21095165"/>
-            <a:ext cx="9167588" cy="1446550"/>
-          </a:xfrm>
-          <a:prstGeom prst="rect">
-            <a:avLst/>
-          </a:prstGeom>
-          <a:noFill/>
-        </p:spPr>
-        <p:txBody>
-          <a:bodyPr wrap="square" rtlCol="0">
-            <a:spAutoFit/>
-          </a:bodyPr>
-          <a:lstStyle/>
-          <a:p>
-            <a:pPr algn="ctr"/>
-            <a:r>
-              <a:rPr lang="en-US" altLang="ja-JP" sz="4400" dirty="0"/>
-              <a:t>iOS</a:t>
-            </a:r>
-            <a:r>
-              <a:rPr lang="ja-JP" altLang="en-US" sz="4400" dirty="0"/>
-              <a:t>と</a:t>
-            </a:r>
-            <a:r>
-              <a:rPr lang="en-US" altLang="ja-JP" sz="4400" dirty="0" smtClean="0"/>
-              <a:t>Android</a:t>
-            </a:r>
-            <a:r>
-              <a:rPr lang="ja-JP" altLang="en-US" sz="4400" dirty="0" smtClean="0"/>
-              <a:t>を</a:t>
-            </a:r>
-            <a:endParaRPr lang="en-US" altLang="ja-JP" sz="4400" dirty="0" smtClean="0"/>
-          </a:p>
-          <a:p>
-            <a:pPr algn="ctr"/>
-            <a:r>
-              <a:rPr lang="ja-JP" altLang="en-US" sz="4400" dirty="0" smtClean="0"/>
-              <a:t>用いて</a:t>
-            </a:r>
-            <a:r>
-              <a:rPr lang="ja-JP" altLang="en-US" sz="4400" dirty="0"/>
-              <a:t>アプリケーションを開発する</a:t>
-            </a:r>
-            <a:endParaRPr kumimoji="1" lang="ja-JP" altLang="en-US" sz="4400" dirty="0"/>
-          </a:p>
-        </p:txBody>
-      </p:sp>
-      <p:sp>
-        <p:nvSpPr>
           <p:cNvPr id="40" name="テキスト ボックス 39"/>
           <p:cNvSpPr txBox="1"/>
           <p:nvPr/>
         </p:nvSpPr>
         <p:spPr>
           <a:xfrm>
-            <a:off x="7791983" y="25941187"/>
+            <a:off x="7745965" y="26325907"/>
             <a:ext cx="6108391" cy="769441"/>
           </a:xfrm>
           <a:prstGeom prst="rect">
@@ -4253,57 +4076,6 @@
               <a:t>リアルタイムで消していく</a:t>
             </a:r>
             <a:endParaRPr kumimoji="1" lang="ja-JP" altLang="en-US" sz="4400" dirty="0"/>
-          </a:p>
-        </p:txBody>
-      </p:sp>
-      <p:sp>
-        <p:nvSpPr>
-          <p:cNvPr id="73" name="テキスト ボックス 72"/>
-          <p:cNvSpPr txBox="1"/>
-          <p:nvPr/>
-        </p:nvSpPr>
-        <p:spPr>
-          <a:xfrm>
-            <a:off x="6976902" y="15189509"/>
-            <a:ext cx="7416824" cy="1569660"/>
-          </a:xfrm>
-          <a:prstGeom prst="rect">
-            <a:avLst/>
-          </a:prstGeom>
-          <a:noFill/>
-        </p:spPr>
-        <p:txBody>
-          <a:bodyPr wrap="square" rtlCol="0">
-            <a:spAutoFit/>
-          </a:bodyPr>
-          <a:lstStyle/>
-          <a:p>
-            <a:pPr algn="ctr"/>
-            <a:r>
-              <a:rPr lang="ja-JP" altLang="en-US" sz="4800" dirty="0" smtClean="0"/>
-              <a:t>スマートフォン</a:t>
-            </a:r>
-            <a:r>
-              <a:rPr lang="ja-JP" altLang="en-US" sz="4800" dirty="0"/>
-              <a:t>や</a:t>
-            </a:r>
-            <a:r>
-              <a:rPr lang="ja-JP" altLang="en-US" sz="4800" dirty="0" smtClean="0"/>
-              <a:t>タブレットの</a:t>
-            </a:r>
-            <a:endParaRPr lang="en-US" altLang="ja-JP" sz="4800" dirty="0" smtClean="0"/>
-          </a:p>
-          <a:p>
-            <a:pPr algn="ctr"/>
-            <a:r>
-              <a:rPr lang="ja-JP" altLang="en-US" sz="4800" dirty="0" smtClean="0"/>
-              <a:t>性能</a:t>
-            </a:r>
-            <a:r>
-              <a:rPr lang="ja-JP" altLang="en-US" sz="4800" dirty="0"/>
-              <a:t>が上がっている</a:t>
-            </a:r>
-            <a:endParaRPr kumimoji="1" lang="ja-JP" altLang="en-US" sz="4800" dirty="0"/>
           </a:p>
         </p:txBody>
       </p:sp>
@@ -4315,10 +4087,10 @@
         </p:nvGrpSpPr>
         <p:grpSpPr>
           <a:xfrm>
-            <a:off x="1584388" y="4988692"/>
-            <a:ext cx="18326036" cy="7507324"/>
+            <a:off x="1584388" y="4412628"/>
+            <a:ext cx="18667347" cy="6766919"/>
             <a:chOff x="1584388" y="4988692"/>
-            <a:chExt cx="18326036" cy="7507324"/>
+            <a:chExt cx="18667347" cy="6851179"/>
           </a:xfrm>
         </p:grpSpPr>
         <p:sp>
@@ -4329,8 +4101,8 @@
           </p:nvSpPr>
           <p:spPr>
             <a:xfrm>
-              <a:off x="2698911" y="8127700"/>
-              <a:ext cx="3890033" cy="830997"/>
+              <a:off x="2412480" y="7684309"/>
+              <a:ext cx="4224102" cy="934827"/>
             </a:xfrm>
             <a:prstGeom prst="rect">
               <a:avLst/>
@@ -4344,10 +4116,10 @@
             <a:lstStyle/>
             <a:p>
               <a:r>
-                <a:rPr kumimoji="1" lang="ja-JP" altLang="en-US" sz="4800" dirty="0" smtClean="0"/>
+                <a:rPr kumimoji="1" lang="ja-JP" altLang="en-US" sz="5400" dirty="0" smtClean="0"/>
                 <a:t>画像処理・・・</a:t>
               </a:r>
-              <a:endParaRPr kumimoji="1" lang="ja-JP" altLang="en-US" sz="4800" dirty="0"/>
+              <a:endParaRPr kumimoji="1" lang="ja-JP" altLang="en-US" sz="5400" dirty="0"/>
             </a:p>
           </p:txBody>
         </p:sp>
@@ -4359,7 +4131,7 @@
           </p:nvSpPr>
           <p:spPr>
             <a:xfrm>
-              <a:off x="8669090" y="9235331"/>
+              <a:off x="8669090" y="8777878"/>
               <a:ext cx="4328566" cy="1323439"/>
             </a:xfrm>
             <a:prstGeom prst="rect">
@@ -4389,7 +4161,7 @@
           </p:nvSpPr>
           <p:spPr>
             <a:xfrm>
-              <a:off x="1735963" y="10834023"/>
+              <a:off x="1735963" y="10090161"/>
               <a:ext cx="8741413" cy="1569660"/>
             </a:xfrm>
             <a:prstGeom prst="rect">
@@ -4436,8 +4208,8 @@
           </p:nvSpPr>
           <p:spPr>
             <a:xfrm>
-              <a:off x="12311033" y="10741690"/>
-              <a:ext cx="6939738" cy="1754326"/>
+              <a:off x="12493600" y="10063701"/>
+              <a:ext cx="7758135" cy="1776170"/>
             </a:xfrm>
             <a:prstGeom prst="rect">
               <a:avLst/>
@@ -4473,8 +4245,12 @@
                 <a:t>アプリケーション</a:t>
               </a:r>
               <a:r>
-                <a:rPr lang="ja-JP" altLang="en-US" sz="5400" dirty="0"/>
-                <a:t>はない</a:t>
+                <a:rPr lang="ja-JP" altLang="en-US" sz="5400" dirty="0" smtClean="0"/>
+                <a:t>は少</a:t>
+              </a:r>
+              <a:r>
+                <a:rPr lang="ja-JP" altLang="en-US" sz="5400" dirty="0" smtClean="0"/>
+                <a:t>ない</a:t>
               </a:r>
               <a:endParaRPr kumimoji="1" lang="ja-JP" altLang="en-US" sz="5400" dirty="0"/>
             </a:p>
@@ -4488,8 +4264,8 @@
           </p:nvSpPr>
           <p:spPr>
             <a:xfrm>
-              <a:off x="5941383" y="8127701"/>
-              <a:ext cx="12456873" cy="830997"/>
+              <a:off x="6229415" y="7684310"/>
+              <a:ext cx="13969041" cy="934827"/>
             </a:xfrm>
             <a:prstGeom prst="rect">
               <a:avLst/>
@@ -4504,10 +4280,10 @@
             <a:p>
               <a:pPr algn="ctr"/>
               <a:r>
-                <a:rPr kumimoji="1" lang="ja-JP" altLang="en-US" sz="4800" dirty="0" smtClean="0"/>
+                <a:rPr kumimoji="1" lang="ja-JP" altLang="en-US" sz="5400" dirty="0" smtClean="0"/>
                 <a:t>写真や絵画，映像を加工・変換・抽出する処理</a:t>
               </a:r>
-              <a:endParaRPr kumimoji="1" lang="ja-JP" altLang="en-US" sz="4800" dirty="0"/>
+              <a:endParaRPr kumimoji="1" lang="ja-JP" altLang="en-US" sz="5400" dirty="0"/>
             </a:p>
           </p:txBody>
         </p:sp>
@@ -4739,80 +4515,398 @@
           </p:txBody>
         </p:sp>
       </p:grpSp>
-      <p:sp>
-        <p:nvSpPr>
-          <p:cNvPr id="158" name="テキスト ボックス 157"/>
-          <p:cNvSpPr txBox="1"/>
-          <p:nvPr/>
-        </p:nvSpPr>
-        <p:spPr>
-          <a:xfrm>
-            <a:off x="9037216" y="14059867"/>
-            <a:ext cx="3456384" cy="830997"/>
-          </a:xfrm>
-          <a:prstGeom prst="rect">
-            <a:avLst/>
-          </a:prstGeom>
-          <a:noFill/>
-        </p:spPr>
-        <p:txBody>
-          <a:bodyPr wrap="square" rtlCol="0">
-            <a:spAutoFit/>
-          </a:bodyPr>
-          <a:lstStyle/>
-          <a:p>
-            <a:r>
-              <a:rPr kumimoji="1" lang="ja-JP" altLang="en-US" sz="4800" dirty="0" smtClean="0"/>
-              <a:t>なぜなら</a:t>
-            </a:r>
-            <a:r>
-              <a:rPr lang="ja-JP" altLang="en-US" sz="4800" dirty="0"/>
-              <a:t>．．．</a:t>
-            </a:r>
-            <a:endParaRPr kumimoji="1" lang="ja-JP" altLang="en-US" sz="4800" dirty="0"/>
-          </a:p>
-        </p:txBody>
-      </p:sp>
       <p:grpSp>
         <p:nvGrpSpPr>
-          <p:cNvPr id="1039" name="グループ化 1038"/>
+          <p:cNvPr id="2" name="グループ化 1"/>
           <p:cNvGrpSpPr/>
           <p:nvPr/>
         </p:nvGrpSpPr>
         <p:grpSpPr>
           <a:xfrm>
-            <a:off x="6616862" y="14470095"/>
-            <a:ext cx="7964970" cy="2289074"/>
-            <a:chOff x="6674911" y="14470095"/>
-            <a:chExt cx="7964970" cy="2289074"/>
+            <a:off x="612280" y="11755611"/>
+            <a:ext cx="20298126" cy="8447269"/>
+            <a:chOff x="612280" y="13908068"/>
+            <a:chExt cx="20270997" cy="8903805"/>
           </a:xfrm>
         </p:grpSpPr>
+        <p:sp>
+          <p:nvSpPr>
+            <p:cNvPr id="35" name="テキスト ボックス 34"/>
+            <p:cNvSpPr txBox="1"/>
+            <p:nvPr/>
+          </p:nvSpPr>
+          <p:spPr>
+            <a:xfrm>
+              <a:off x="4042576" y="17019957"/>
+              <a:ext cx="13285476" cy="2123658"/>
+            </a:xfrm>
+            <a:prstGeom prst="rect">
+              <a:avLst/>
+            </a:prstGeom>
+            <a:noFill/>
+          </p:spPr>
+          <p:txBody>
+            <a:bodyPr wrap="square" rtlCol="0">
+              <a:spAutoFit/>
+            </a:bodyPr>
+            <a:lstStyle/>
+            <a:p>
+              <a:pPr algn="ctr"/>
+              <a:r>
+                <a:rPr lang="ja-JP" altLang="en-US" sz="6600" b="1" dirty="0">
+                  <a:solidFill>
+                    <a:srgbClr val="FF0000"/>
+                  </a:solidFill>
+                </a:rPr>
+                <a:t>リアルタイムに動画を処理</a:t>
+              </a:r>
+              <a:r>
+                <a:rPr lang="ja-JP" altLang="en-US" sz="6600" b="1" dirty="0" smtClean="0">
+                  <a:solidFill>
+                    <a:srgbClr val="FF0000"/>
+                  </a:solidFill>
+                </a:rPr>
+                <a:t>する</a:t>
+              </a:r>
+              <a:endParaRPr lang="en-US" altLang="ja-JP" sz="6600" b="1" dirty="0" smtClean="0">
+                <a:solidFill>
+                  <a:srgbClr val="FF0000"/>
+                </a:solidFill>
+              </a:endParaRPr>
+            </a:p>
+            <a:p>
+              <a:pPr algn="ctr"/>
+              <a:r>
+                <a:rPr lang="ja-JP" altLang="en-US" sz="6600" b="1" dirty="0" smtClean="0">
+                  <a:solidFill>
+                    <a:srgbClr val="FF0000"/>
+                  </a:solidFill>
+                </a:rPr>
+                <a:t>スマートフォンアプリケーション</a:t>
+              </a:r>
+              <a:r>
+                <a:rPr lang="ja-JP" altLang="en-US" sz="6600" b="1" dirty="0">
+                  <a:solidFill>
+                    <a:srgbClr val="FF0000"/>
+                  </a:solidFill>
+                </a:rPr>
+                <a:t>を開発</a:t>
+              </a:r>
+              <a:endParaRPr kumimoji="1" lang="ja-JP" altLang="en-US" sz="6600" b="1" dirty="0">
+                <a:solidFill>
+                  <a:srgbClr val="FF0000"/>
+                </a:solidFill>
+              </a:endParaRPr>
+            </a:p>
+          </p:txBody>
+        </p:sp>
+        <p:sp>
+          <p:nvSpPr>
+            <p:cNvPr id="37" name="テキスト ボックス 36"/>
+            <p:cNvSpPr txBox="1"/>
+            <p:nvPr/>
+          </p:nvSpPr>
+          <p:spPr>
+            <a:xfrm>
+              <a:off x="756296" y="20011105"/>
+              <a:ext cx="10045116" cy="2800768"/>
+            </a:xfrm>
+            <a:prstGeom prst="rect">
+              <a:avLst/>
+            </a:prstGeom>
+            <a:noFill/>
+          </p:spPr>
+          <p:txBody>
+            <a:bodyPr wrap="square" rtlCol="0">
+              <a:spAutoFit/>
+            </a:bodyPr>
+            <a:lstStyle/>
+            <a:p>
+              <a:r>
+                <a:rPr lang="ja-JP" altLang="en-US" sz="4400" dirty="0" smtClean="0"/>
+                <a:t>編集</a:t>
+              </a:r>
+              <a:r>
+                <a:rPr lang="ja-JP" altLang="en-US" sz="4400" dirty="0"/>
+                <a:t>する時間と手間が省くことが</a:t>
+              </a:r>
+              <a:r>
+                <a:rPr lang="ja-JP" altLang="en-US" sz="4400" dirty="0" smtClean="0"/>
+                <a:t>でき，</a:t>
+              </a:r>
+              <a:endParaRPr lang="en-US" altLang="ja-JP" sz="4400" dirty="0" smtClean="0"/>
+            </a:p>
+            <a:p>
+              <a:r>
+                <a:rPr lang="ja-JP" altLang="en-US" sz="4400" dirty="0" smtClean="0"/>
+                <a:t>カメラアプリケーション</a:t>
+              </a:r>
+              <a:r>
+                <a:rPr lang="ja-JP" altLang="en-US" sz="4400" dirty="0"/>
+                <a:t>のよう</a:t>
+              </a:r>
+              <a:r>
+                <a:rPr lang="ja-JP" altLang="en-US" sz="4400" dirty="0" smtClean="0"/>
+                <a:t>に誰</a:t>
+              </a:r>
+              <a:r>
+                <a:rPr lang="ja-JP" altLang="en-US" sz="4400" dirty="0"/>
+                <a:t>もがいつでも簡単に利用できる</a:t>
+              </a:r>
+              <a:endParaRPr lang="en-US" altLang="ja-JP" sz="4400" dirty="0"/>
+            </a:p>
+            <a:p>
+              <a:endParaRPr kumimoji="1" lang="ja-JP" altLang="en-US" sz="4400" dirty="0"/>
+            </a:p>
+          </p:txBody>
+        </p:sp>
+        <p:sp>
+          <p:nvSpPr>
+            <p:cNvPr id="38" name="テキスト ボックス 37"/>
+            <p:cNvSpPr txBox="1"/>
+            <p:nvPr/>
+          </p:nvSpPr>
+          <p:spPr>
+            <a:xfrm>
+              <a:off x="12493600" y="20337296"/>
+              <a:ext cx="8389677" cy="1446550"/>
+            </a:xfrm>
+            <a:prstGeom prst="rect">
+              <a:avLst/>
+            </a:prstGeom>
+            <a:noFill/>
+          </p:spPr>
+          <p:txBody>
+            <a:bodyPr wrap="square" rtlCol="0">
+              <a:spAutoFit/>
+            </a:bodyPr>
+            <a:lstStyle/>
+            <a:p>
+              <a:r>
+                <a:rPr lang="en-US" altLang="ja-JP" sz="4400" dirty="0"/>
+                <a:t>iOS</a:t>
+              </a:r>
+              <a:r>
+                <a:rPr lang="ja-JP" altLang="en-US" sz="4400" dirty="0"/>
+                <a:t>と</a:t>
+              </a:r>
+              <a:r>
+                <a:rPr lang="en-US" altLang="ja-JP" sz="4400" dirty="0" smtClean="0"/>
+                <a:t>Android</a:t>
+              </a:r>
+              <a:r>
+                <a:rPr lang="ja-JP" altLang="en-US" sz="4400" dirty="0" smtClean="0"/>
+                <a:t>を</a:t>
+              </a:r>
+              <a:endParaRPr lang="en-US" altLang="ja-JP" sz="4400" dirty="0" smtClean="0"/>
+            </a:p>
+            <a:p>
+              <a:r>
+                <a:rPr lang="ja-JP" altLang="en-US" sz="4400" dirty="0" smtClean="0"/>
+                <a:t>用いて</a:t>
+              </a:r>
+              <a:r>
+                <a:rPr lang="ja-JP" altLang="en-US" sz="4400" dirty="0"/>
+                <a:t>アプリケーションを開発する</a:t>
+              </a:r>
+              <a:endParaRPr kumimoji="1" lang="ja-JP" altLang="en-US" sz="4400" dirty="0"/>
+            </a:p>
+          </p:txBody>
+        </p:sp>
+        <p:sp>
+          <p:nvSpPr>
+            <p:cNvPr id="73" name="テキスト ボックス 72"/>
+            <p:cNvSpPr txBox="1"/>
+            <p:nvPr/>
+          </p:nvSpPr>
+          <p:spPr>
+            <a:xfrm>
+              <a:off x="6976902" y="14757848"/>
+              <a:ext cx="7416824" cy="1569660"/>
+            </a:xfrm>
+            <a:prstGeom prst="rect">
+              <a:avLst/>
+            </a:prstGeom>
+            <a:noFill/>
+          </p:spPr>
+          <p:txBody>
+            <a:bodyPr wrap="square" rtlCol="0">
+              <a:spAutoFit/>
+            </a:bodyPr>
+            <a:lstStyle/>
+            <a:p>
+              <a:r>
+                <a:rPr lang="ja-JP" altLang="en-US" sz="4800" dirty="0" smtClean="0"/>
+                <a:t>スマートフォン</a:t>
+              </a:r>
+              <a:r>
+                <a:rPr lang="ja-JP" altLang="en-US" sz="4800" dirty="0"/>
+                <a:t>や</a:t>
+              </a:r>
+              <a:r>
+                <a:rPr lang="ja-JP" altLang="en-US" sz="4800" dirty="0" smtClean="0"/>
+                <a:t>タブレットの</a:t>
+              </a:r>
+              <a:endParaRPr lang="en-US" altLang="ja-JP" sz="4800" dirty="0" smtClean="0"/>
+            </a:p>
+            <a:p>
+              <a:r>
+                <a:rPr lang="ja-JP" altLang="en-US" sz="4800" dirty="0" smtClean="0"/>
+                <a:t>性能</a:t>
+              </a:r>
+              <a:r>
+                <a:rPr lang="ja-JP" altLang="en-US" sz="4800" dirty="0"/>
+                <a:t>が上がっている</a:t>
+              </a:r>
+              <a:endParaRPr kumimoji="1" lang="ja-JP" altLang="en-US" sz="4800" dirty="0"/>
+            </a:p>
+          </p:txBody>
+        </p:sp>
+        <p:sp>
+          <p:nvSpPr>
+            <p:cNvPr id="158" name="テキスト ボックス 157"/>
+            <p:cNvSpPr txBox="1"/>
+            <p:nvPr/>
+          </p:nvSpPr>
+          <p:spPr>
+            <a:xfrm>
+              <a:off x="9037216" y="13908068"/>
+              <a:ext cx="3456384" cy="830997"/>
+            </a:xfrm>
+            <a:prstGeom prst="rect">
+              <a:avLst/>
+            </a:prstGeom>
+            <a:noFill/>
+          </p:spPr>
+          <p:txBody>
+            <a:bodyPr wrap="square" rtlCol="0">
+              <a:spAutoFit/>
+            </a:bodyPr>
+            <a:lstStyle/>
+            <a:p>
+              <a:r>
+                <a:rPr kumimoji="1" lang="ja-JP" altLang="en-US" sz="4800" dirty="0" smtClean="0"/>
+                <a:t>なぜなら</a:t>
+              </a:r>
+              <a:r>
+                <a:rPr lang="ja-JP" altLang="en-US" sz="4800" dirty="0"/>
+                <a:t>．．．</a:t>
+              </a:r>
+              <a:endParaRPr kumimoji="1" lang="ja-JP" altLang="en-US" sz="4800" dirty="0"/>
+            </a:p>
+          </p:txBody>
+        </p:sp>
         <p:grpSp>
           <p:nvGrpSpPr>
-            <p:cNvPr id="1033" name="グループ化 1032"/>
+            <p:cNvPr id="1039" name="グループ化 1038"/>
             <p:cNvGrpSpPr/>
             <p:nvPr/>
           </p:nvGrpSpPr>
           <p:grpSpPr>
             <a:xfrm>
-              <a:off x="6674911" y="14475365"/>
-              <a:ext cx="7964970" cy="2283804"/>
-              <a:chOff x="6674911" y="14475365"/>
-              <a:chExt cx="7964970" cy="2283804"/>
+              <a:off x="6616862" y="14287568"/>
+              <a:ext cx="7964970" cy="2319803"/>
+              <a:chOff x="6674911" y="14287568"/>
+              <a:chExt cx="7964970" cy="2319803"/>
             </a:xfrm>
           </p:grpSpPr>
-          <p:sp>
-            <p:nvSpPr>
-              <p:cNvPr id="1025" name="大かっこ 1024"/>
-              <p:cNvSpPr/>
+          <p:grpSp>
+            <p:nvGrpSpPr>
+              <p:cNvPr id="1033" name="グループ化 1032"/>
+              <p:cNvGrpSpPr/>
               <p:nvPr/>
-            </p:nvSpPr>
+            </p:nvGrpSpPr>
+            <p:grpSpPr>
+              <a:xfrm>
+                <a:off x="6674911" y="14287568"/>
+                <a:ext cx="7964970" cy="2319803"/>
+                <a:chOff x="6674911" y="14287568"/>
+                <a:chExt cx="7964970" cy="2319803"/>
+              </a:xfrm>
+            </p:grpSpPr>
+            <p:sp>
+              <p:nvSpPr>
+                <p:cNvPr id="1025" name="大かっこ 1024"/>
+                <p:cNvSpPr/>
+                <p:nvPr/>
+              </p:nvSpPr>
+              <p:spPr>
+                <a:xfrm>
+                  <a:off x="6674911" y="14287568"/>
+                  <a:ext cx="7964970" cy="2283804"/>
+                </a:xfrm>
+                <a:prstGeom prst="bracketPair">
+                  <a:avLst/>
+                </a:prstGeom>
+                <a:ln w="76200"/>
+              </p:spPr>
+              <p:style>
+                <a:lnRef idx="1">
+                  <a:schemeClr val="accent1"/>
+                </a:lnRef>
+                <a:fillRef idx="0">
+                  <a:schemeClr val="accent1"/>
+                </a:fillRef>
+                <a:effectRef idx="0">
+                  <a:schemeClr val="accent1"/>
+                </a:effectRef>
+                <a:fontRef idx="minor">
+                  <a:schemeClr val="tx1"/>
+                </a:fontRef>
+              </p:style>
+              <p:txBody>
+                <a:bodyPr rtlCol="0" anchor="ctr"/>
+                <a:lstStyle/>
+                <a:p>
+                  <a:pPr algn="ctr"/>
+                  <a:endParaRPr kumimoji="1" lang="ja-JP" altLang="en-US"/>
+                </a:p>
+              </p:txBody>
+            </p:sp>
+            <p:cxnSp>
+              <p:nvCxnSpPr>
+                <p:cNvPr id="1029" name="直線コネクタ 1028"/>
+                <p:cNvCxnSpPr/>
+                <p:nvPr/>
+              </p:nvCxnSpPr>
+              <p:spPr>
+                <a:xfrm>
+                  <a:off x="6976902" y="16607371"/>
+                  <a:ext cx="7290650" cy="0"/>
+                </a:xfrm>
+                <a:prstGeom prst="line">
+                  <a:avLst/>
+                </a:prstGeom>
+                <a:ln w="76200"/>
+              </p:spPr>
+              <p:style>
+                <a:lnRef idx="1">
+                  <a:schemeClr val="accent1"/>
+                </a:lnRef>
+                <a:fillRef idx="0">
+                  <a:schemeClr val="accent1"/>
+                </a:fillRef>
+                <a:effectRef idx="0">
+                  <a:schemeClr val="accent1"/>
+                </a:effectRef>
+                <a:fontRef idx="minor">
+                  <a:schemeClr val="tx1"/>
+                </a:fontRef>
+              </p:style>
+            </p:cxnSp>
+          </p:grpSp>
+          <p:cxnSp>
+            <p:nvCxnSpPr>
+              <p:cNvPr id="1035" name="直線コネクタ 1034"/>
+              <p:cNvCxnSpPr/>
+              <p:nvPr/>
+            </p:nvCxnSpPr>
             <p:spPr>
               <a:xfrm>
-                <a:off x="6674911" y="14475365"/>
-                <a:ext cx="7964970" cy="2283804"/>
+                <a:off x="7034951" y="14287568"/>
+                <a:ext cx="1844290" cy="0"/>
               </a:xfrm>
-              <a:prstGeom prst="bracketPair">
+              <a:prstGeom prst="line">
                 <a:avLst/>
               </a:prstGeom>
               <a:ln w="76200"/>
@@ -4831,25 +4925,17 @@
                 <a:schemeClr val="tx1"/>
               </a:fontRef>
             </p:style>
-            <p:txBody>
-              <a:bodyPr rtlCol="0" anchor="ctr"/>
-              <a:lstStyle/>
-              <a:p>
-                <a:pPr algn="ctr"/>
-                <a:endParaRPr kumimoji="1" lang="ja-JP" altLang="en-US"/>
-              </a:p>
-            </p:txBody>
-          </p:sp>
+          </p:cxnSp>
           <p:cxnSp>
             <p:nvCxnSpPr>
-              <p:cNvPr id="1029" name="直線コネクタ 1028"/>
+              <p:cNvPr id="175" name="直線コネクタ 174"/>
               <p:cNvCxnSpPr/>
               <p:nvPr/>
             </p:nvCxnSpPr>
             <p:spPr>
               <a:xfrm>
-                <a:off x="6976902" y="16759169"/>
-                <a:ext cx="7290650" cy="0"/>
+                <a:off x="12423262" y="14287568"/>
+                <a:ext cx="1844290" cy="0"/>
               </a:xfrm>
               <a:prstGeom prst="line">
                 <a:avLst/>
@@ -4872,109 +4958,117 @@
             </p:style>
           </p:cxnSp>
         </p:grpSp>
-        <p:cxnSp>
-          <p:nvCxnSpPr>
-            <p:cNvPr id="1035" name="直線コネクタ 1034"/>
-            <p:cNvCxnSpPr/>
-            <p:nvPr/>
-          </p:nvCxnSpPr>
-          <p:spPr>
-            <a:xfrm>
-              <a:off x="7034951" y="14475365"/>
-              <a:ext cx="1844290" cy="0"/>
-            </a:xfrm>
-            <a:prstGeom prst="line">
-              <a:avLst/>
-            </a:prstGeom>
-            <a:ln w="76200"/>
-          </p:spPr>
-          <p:style>
-            <a:lnRef idx="1">
-              <a:schemeClr val="accent1"/>
-            </a:lnRef>
-            <a:fillRef idx="0">
-              <a:schemeClr val="accent1"/>
-            </a:fillRef>
-            <a:effectRef idx="0">
-              <a:schemeClr val="accent1"/>
-            </a:effectRef>
-            <a:fontRef idx="minor">
-              <a:schemeClr val="tx1"/>
-            </a:fontRef>
-          </p:style>
-        </p:cxnSp>
-        <p:cxnSp>
-          <p:nvCxnSpPr>
-            <p:cNvPr id="175" name="直線コネクタ 174"/>
-            <p:cNvCxnSpPr/>
-            <p:nvPr/>
-          </p:nvCxnSpPr>
-          <p:spPr>
-            <a:xfrm>
-              <a:off x="12423262" y="14470095"/>
-              <a:ext cx="1844290" cy="0"/>
-            </a:xfrm>
-            <a:prstGeom prst="line">
-              <a:avLst/>
-            </a:prstGeom>
-            <a:ln w="76200"/>
-          </p:spPr>
-          <p:style>
-            <a:lnRef idx="1">
-              <a:schemeClr val="accent1"/>
-            </a:lnRef>
-            <a:fillRef idx="0">
-              <a:schemeClr val="accent1"/>
-            </a:fillRef>
-            <a:effectRef idx="0">
-              <a:schemeClr val="accent1"/>
-            </a:effectRef>
-            <a:fontRef idx="minor">
-              <a:schemeClr val="tx1"/>
-            </a:fontRef>
-          </p:style>
-        </p:cxnSp>
-      </p:grpSp>
-      <p:grpSp>
-        <p:nvGrpSpPr>
-          <p:cNvPr id="190" name="グループ化 189"/>
-          <p:cNvGrpSpPr/>
-          <p:nvPr/>
-        </p:nvGrpSpPr>
-        <p:grpSpPr>
-          <a:xfrm>
-            <a:off x="612280" y="20324563"/>
-            <a:ext cx="9843051" cy="2550566"/>
-            <a:chOff x="6674911" y="14470095"/>
-            <a:chExt cx="7964970" cy="2289074"/>
-          </a:xfrm>
-        </p:grpSpPr>
         <p:grpSp>
           <p:nvGrpSpPr>
-            <p:cNvPr id="191" name="グループ化 190"/>
+            <p:cNvPr id="190" name="グループ化 189"/>
             <p:cNvGrpSpPr/>
             <p:nvPr/>
           </p:nvGrpSpPr>
           <p:grpSpPr>
             <a:xfrm>
-              <a:off x="6674911" y="14475365"/>
-              <a:ext cx="7964970" cy="2283804"/>
-              <a:chOff x="6674911" y="14475365"/>
-              <a:chExt cx="7964970" cy="2283804"/>
+              <a:off x="612280" y="19783524"/>
+              <a:ext cx="9843051" cy="2550566"/>
+              <a:chOff x="6674911" y="13984523"/>
+              <a:chExt cx="7964970" cy="2289074"/>
             </a:xfrm>
           </p:grpSpPr>
-          <p:sp>
-            <p:nvSpPr>
-              <p:cNvPr id="194" name="大かっこ 193"/>
-              <p:cNvSpPr/>
+          <p:grpSp>
+            <p:nvGrpSpPr>
+              <p:cNvPr id="191" name="グループ化 190"/>
+              <p:cNvGrpSpPr/>
               <p:nvPr/>
-            </p:nvSpPr>
+            </p:nvGrpSpPr>
+            <p:grpSpPr>
+              <a:xfrm>
+                <a:off x="6674911" y="13989793"/>
+                <a:ext cx="7964970" cy="2283804"/>
+                <a:chOff x="6674911" y="13989793"/>
+                <a:chExt cx="7964970" cy="2283804"/>
+              </a:xfrm>
+            </p:grpSpPr>
+            <p:sp>
+              <p:nvSpPr>
+                <p:cNvPr id="194" name="大かっこ 193"/>
+                <p:cNvSpPr/>
+                <p:nvPr/>
+              </p:nvSpPr>
+              <p:spPr>
+                <a:xfrm>
+                  <a:off x="6674911" y="13989793"/>
+                  <a:ext cx="7964970" cy="2283804"/>
+                </a:xfrm>
+                <a:prstGeom prst="bracketPair">
+                  <a:avLst/>
+                </a:prstGeom>
+                <a:ln w="76200"/>
+              </p:spPr>
+              <p:style>
+                <a:lnRef idx="1">
+                  <a:schemeClr val="accent1"/>
+                </a:lnRef>
+                <a:fillRef idx="0">
+                  <a:schemeClr val="accent1"/>
+                </a:fillRef>
+                <a:effectRef idx="0">
+                  <a:schemeClr val="accent1"/>
+                </a:effectRef>
+                <a:fontRef idx="minor">
+                  <a:schemeClr val="tx1"/>
+                </a:fontRef>
+              </p:style>
+              <p:txBody>
+                <a:bodyPr rtlCol="0" anchor="ctr"/>
+                <a:lstStyle/>
+                <a:p>
+                  <a:pPr algn="ctr"/>
+                  <a:endParaRPr kumimoji="1" lang="ja-JP" altLang="en-US" sz="5400"/>
+                </a:p>
+              </p:txBody>
+            </p:sp>
+            <p:cxnSp>
+              <p:nvCxnSpPr>
+                <p:cNvPr id="195" name="直線コネクタ 194"/>
+                <p:cNvCxnSpPr/>
+                <p:nvPr/>
+              </p:nvCxnSpPr>
+              <p:spPr>
+                <a:xfrm>
+                  <a:off x="6976902" y="16273597"/>
+                  <a:ext cx="7392466" cy="0"/>
+                </a:xfrm>
+                <a:prstGeom prst="line">
+                  <a:avLst/>
+                </a:prstGeom>
+                <a:ln w="76200"/>
+              </p:spPr>
+              <p:style>
+                <a:lnRef idx="1">
+                  <a:schemeClr val="accent1"/>
+                </a:lnRef>
+                <a:fillRef idx="0">
+                  <a:schemeClr val="accent1"/>
+                </a:fillRef>
+                <a:effectRef idx="0">
+                  <a:schemeClr val="accent1"/>
+                </a:effectRef>
+                <a:fontRef idx="minor">
+                  <a:schemeClr val="tx1"/>
+                </a:fontRef>
+              </p:style>
+            </p:cxnSp>
+          </p:grpSp>
+          <p:cxnSp>
+            <p:nvCxnSpPr>
+              <p:cNvPr id="192" name="直線コネクタ 191"/>
+              <p:cNvCxnSpPr/>
+              <p:nvPr/>
+            </p:nvCxnSpPr>
             <p:spPr>
               <a:xfrm>
-                <a:off x="6674911" y="14475365"/>
-                <a:ext cx="7964970" cy="2283804"/>
+                <a:off x="6976902" y="13989793"/>
+                <a:ext cx="1844290" cy="0"/>
               </a:xfrm>
-              <a:prstGeom prst="bracketPair">
+              <a:prstGeom prst="line">
                 <a:avLst/>
               </a:prstGeom>
               <a:ln w="76200"/>
@@ -4993,25 +5087,17 @@
                 <a:schemeClr val="tx1"/>
               </a:fontRef>
             </p:style>
-            <p:txBody>
-              <a:bodyPr rtlCol="0" anchor="ctr"/>
-              <a:lstStyle/>
-              <a:p>
-                <a:pPr algn="ctr"/>
-                <a:endParaRPr kumimoji="1" lang="ja-JP" altLang="en-US" sz="5400"/>
-              </a:p>
-            </p:txBody>
-          </p:sp>
+          </p:cxnSp>
           <p:cxnSp>
             <p:nvCxnSpPr>
-              <p:cNvPr id="195" name="直線コネクタ 194"/>
+              <p:cNvPr id="193" name="直線コネクタ 192"/>
               <p:cNvCxnSpPr/>
               <p:nvPr/>
             </p:nvCxnSpPr>
             <p:spPr>
               <a:xfrm>
-                <a:off x="6976902" y="16759169"/>
-                <a:ext cx="7392466" cy="0"/>
+                <a:off x="12525078" y="13984523"/>
+                <a:ext cx="1844290" cy="5270"/>
               </a:xfrm>
               <a:prstGeom prst="line">
                 <a:avLst/>
@@ -5034,21 +5120,24 @@
             </p:style>
           </p:cxnSp>
         </p:grpSp>
-        <p:cxnSp>
-          <p:nvCxnSpPr>
-            <p:cNvPr id="192" name="直線コネクタ 191"/>
-            <p:cNvCxnSpPr/>
+        <p:sp>
+          <p:nvSpPr>
+            <p:cNvPr id="164" name="円弧 163"/>
+            <p:cNvSpPr/>
             <p:nvPr/>
-          </p:nvCxnSpPr>
+          </p:nvSpPr>
           <p:spPr>
-            <a:xfrm>
-              <a:off x="6976902" y="14475365"/>
-              <a:ext cx="1844290" cy="0"/>
+            <a:xfrm rot="16200000">
+              <a:off x="2437241" y="15602624"/>
+              <a:ext cx="7200800" cy="7151278"/>
             </a:xfrm>
-            <a:prstGeom prst="line">
-              <a:avLst/>
+            <a:prstGeom prst="arc">
+              <a:avLst>
+                <a:gd name="adj1" fmla="val 15903433"/>
+                <a:gd name="adj2" fmla="val 0"/>
+              </a:avLst>
             </a:prstGeom>
-            <a:ln w="76200"/>
+            <a:ln w="139700" cap="rnd"/>
           </p:spPr>
           <p:style>
             <a:lnRef idx="1">
@@ -5064,22 +5153,33 @@
               <a:schemeClr val="tx1"/>
             </a:fontRef>
           </p:style>
-        </p:cxnSp>
-        <p:cxnSp>
-          <p:nvCxnSpPr>
-            <p:cNvPr id="193" name="直線コネクタ 192"/>
-            <p:cNvCxnSpPr/>
+          <p:txBody>
+            <a:bodyPr rtlCol="0" anchor="ctr"/>
+            <a:lstStyle/>
+            <a:p>
+              <a:pPr algn="ctr"/>
+              <a:endParaRPr kumimoji="1" lang="ja-JP" altLang="en-US"/>
+            </a:p>
+          </p:txBody>
+        </p:sp>
+        <p:sp>
+          <p:nvSpPr>
+            <p:cNvPr id="204" name="円弧 203"/>
+            <p:cNvSpPr/>
             <p:nvPr/>
-          </p:nvCxnSpPr>
+          </p:nvSpPr>
           <p:spPr>
             <a:xfrm>
-              <a:off x="12525078" y="14470095"/>
-              <a:ext cx="1844290" cy="5270"/>
+              <a:off x="11773520" y="15501963"/>
+              <a:ext cx="7200800" cy="7151278"/>
             </a:xfrm>
-            <a:prstGeom prst="line">
-              <a:avLst/>
+            <a:prstGeom prst="arc">
+              <a:avLst>
+                <a:gd name="adj1" fmla="val 15903433"/>
+                <a:gd name="adj2" fmla="val 156600"/>
+              </a:avLst>
             </a:prstGeom>
-            <a:ln w="76200"/>
+            <a:ln w="139700" cap="rnd"/>
           </p:spPr>
           <p:style>
             <a:lnRef idx="1">
@@ -5095,166 +5195,160 @@
               <a:schemeClr val="tx1"/>
             </a:fontRef>
           </p:style>
-        </p:cxnSp>
-      </p:grpSp>
-      <p:sp>
-        <p:nvSpPr>
-          <p:cNvPr id="164" name="円弧 163"/>
-          <p:cNvSpPr/>
-          <p:nvPr/>
-        </p:nvSpPr>
-        <p:spPr>
-          <a:xfrm rot="16200000">
-            <a:off x="2437241" y="15884828"/>
-            <a:ext cx="7200800" cy="7151278"/>
-          </a:xfrm>
-          <a:prstGeom prst="arc">
-            <a:avLst>
-              <a:gd name="adj1" fmla="val 15903433"/>
-              <a:gd name="adj2" fmla="val 0"/>
-            </a:avLst>
-          </a:prstGeom>
-          <a:ln w="139700" cap="rnd"/>
-        </p:spPr>
-        <p:style>
-          <a:lnRef idx="1">
-            <a:schemeClr val="accent1"/>
-          </a:lnRef>
-          <a:fillRef idx="0">
-            <a:schemeClr val="accent1"/>
-          </a:fillRef>
-          <a:effectRef idx="0">
-            <a:schemeClr val="accent1"/>
-          </a:effectRef>
-          <a:fontRef idx="minor">
-            <a:schemeClr val="tx1"/>
-          </a:fontRef>
-        </p:style>
-        <p:txBody>
-          <a:bodyPr rtlCol="0" anchor="ctr"/>
-          <a:lstStyle/>
-          <a:p>
-            <a:pPr algn="ctr"/>
-            <a:endParaRPr kumimoji="1" lang="ja-JP" altLang="en-US"/>
-          </a:p>
-        </p:txBody>
-      </p:sp>
-      <p:sp>
-        <p:nvSpPr>
-          <p:cNvPr id="204" name="円弧 203"/>
-          <p:cNvSpPr/>
-          <p:nvPr/>
-        </p:nvSpPr>
-        <p:spPr>
-          <a:xfrm>
-            <a:off x="11773520" y="15860067"/>
-            <a:ext cx="7200800" cy="7151278"/>
-          </a:xfrm>
-          <a:prstGeom prst="arc">
-            <a:avLst>
-              <a:gd name="adj1" fmla="val 15903433"/>
-              <a:gd name="adj2" fmla="val 156600"/>
-            </a:avLst>
-          </a:prstGeom>
-          <a:ln w="139700" cap="rnd"/>
-        </p:spPr>
-        <p:style>
-          <a:lnRef idx="1">
-            <a:schemeClr val="accent1"/>
-          </a:lnRef>
-          <a:fillRef idx="0">
-            <a:schemeClr val="accent1"/>
-          </a:fillRef>
-          <a:effectRef idx="0">
-            <a:schemeClr val="accent1"/>
-          </a:effectRef>
-          <a:fontRef idx="minor">
-            <a:schemeClr val="tx1"/>
-          </a:fontRef>
-        </p:style>
-        <p:txBody>
-          <a:bodyPr rtlCol="0" anchor="ctr"/>
-          <a:lstStyle/>
-          <a:p>
-            <a:pPr algn="ctr"/>
-            <a:endParaRPr kumimoji="1" lang="ja-JP" altLang="en-US"/>
-          </a:p>
-        </p:txBody>
-      </p:sp>
-      <p:sp>
-        <p:nvSpPr>
-          <p:cNvPr id="165" name="テキスト ボックス 164"/>
-          <p:cNvSpPr txBox="1"/>
-          <p:nvPr/>
-        </p:nvSpPr>
-        <p:spPr>
-          <a:xfrm>
-            <a:off x="3708624" y="19837992"/>
-            <a:ext cx="4058420" cy="830997"/>
-          </a:xfrm>
-          <a:prstGeom prst="rect">
-            <a:avLst/>
-          </a:prstGeom>
-          <a:noFill/>
-        </p:spPr>
-        <p:txBody>
-          <a:bodyPr wrap="square" rtlCol="0">
-            <a:spAutoFit/>
-          </a:bodyPr>
-          <a:lstStyle/>
-          <a:p>
-            <a:r>
-              <a:rPr lang="ja-JP" altLang="en-US" sz="4800" dirty="0"/>
-              <a:t>これにより</a:t>
-            </a:r>
-            <a:r>
-              <a:rPr kumimoji="1" lang="ja-JP" altLang="en-US" sz="4800" dirty="0" smtClean="0"/>
-              <a:t>．．．</a:t>
-            </a:r>
-            <a:endParaRPr kumimoji="1" lang="ja-JP" altLang="en-US" sz="4800" dirty="0"/>
-          </a:p>
-        </p:txBody>
-      </p:sp>
-      <p:grpSp>
-        <p:nvGrpSpPr>
-          <p:cNvPr id="206" name="グループ化 205"/>
-          <p:cNvGrpSpPr/>
-          <p:nvPr/>
-        </p:nvGrpSpPr>
-        <p:grpSpPr>
-          <a:xfrm>
-            <a:off x="12283777" y="20327499"/>
-            <a:ext cx="8316669" cy="2547630"/>
-            <a:chOff x="6674911" y="14472730"/>
-            <a:chExt cx="7964970" cy="2286439"/>
-          </a:xfrm>
-        </p:grpSpPr>
+          <p:txBody>
+            <a:bodyPr rtlCol="0" anchor="ctr"/>
+            <a:lstStyle/>
+            <a:p>
+              <a:pPr algn="ctr"/>
+              <a:endParaRPr kumimoji="1" lang="ja-JP" altLang="en-US"/>
+            </a:p>
+          </p:txBody>
+        </p:sp>
+        <p:sp>
+          <p:nvSpPr>
+            <p:cNvPr id="165" name="テキスト ボックス 164"/>
+            <p:cNvSpPr txBox="1"/>
+            <p:nvPr/>
+          </p:nvSpPr>
+          <p:spPr>
+            <a:xfrm>
+              <a:off x="3708624" y="19296947"/>
+              <a:ext cx="4058420" cy="830997"/>
+            </a:xfrm>
+            <a:prstGeom prst="rect">
+              <a:avLst/>
+            </a:prstGeom>
+            <a:noFill/>
+          </p:spPr>
+          <p:txBody>
+            <a:bodyPr wrap="square" rtlCol="0">
+              <a:spAutoFit/>
+            </a:bodyPr>
+            <a:lstStyle/>
+            <a:p>
+              <a:r>
+                <a:rPr lang="ja-JP" altLang="en-US" sz="4800" dirty="0"/>
+                <a:t>これにより</a:t>
+              </a:r>
+              <a:r>
+                <a:rPr kumimoji="1" lang="ja-JP" altLang="en-US" sz="4800" dirty="0" smtClean="0"/>
+                <a:t>．．．</a:t>
+              </a:r>
+              <a:endParaRPr kumimoji="1" lang="ja-JP" altLang="en-US" sz="4800" dirty="0"/>
+            </a:p>
+          </p:txBody>
+        </p:sp>
         <p:grpSp>
           <p:nvGrpSpPr>
-            <p:cNvPr id="207" name="グループ化 206"/>
+            <p:cNvPr id="206" name="グループ化 205"/>
             <p:cNvGrpSpPr/>
             <p:nvPr/>
           </p:nvGrpSpPr>
           <p:grpSpPr>
             <a:xfrm>
-              <a:off x="6674911" y="14475365"/>
-              <a:ext cx="7964970" cy="2283804"/>
-              <a:chOff x="6674911" y="14475365"/>
-              <a:chExt cx="7964970" cy="2283804"/>
+              <a:off x="12283777" y="19785295"/>
+              <a:ext cx="8316669" cy="2547641"/>
+              <a:chOff x="6674911" y="13986102"/>
+              <a:chExt cx="7964970" cy="2286447"/>
             </a:xfrm>
           </p:grpSpPr>
-          <p:sp>
-            <p:nvSpPr>
-              <p:cNvPr id="210" name="大かっこ 209"/>
-              <p:cNvSpPr/>
+          <p:grpSp>
+            <p:nvGrpSpPr>
+              <p:cNvPr id="207" name="グループ化 206"/>
+              <p:cNvGrpSpPr/>
               <p:nvPr/>
-            </p:nvSpPr>
+            </p:nvGrpSpPr>
+            <p:grpSpPr>
+              <a:xfrm>
+                <a:off x="6674911" y="13988745"/>
+                <a:ext cx="7964970" cy="2283804"/>
+                <a:chOff x="6674911" y="13988745"/>
+                <a:chExt cx="7964970" cy="2283804"/>
+              </a:xfrm>
+            </p:grpSpPr>
+            <p:sp>
+              <p:nvSpPr>
+                <p:cNvPr id="210" name="大かっこ 209"/>
+                <p:cNvSpPr/>
+                <p:nvPr/>
+              </p:nvSpPr>
+              <p:spPr>
+                <a:xfrm>
+                  <a:off x="6674911" y="13988745"/>
+                  <a:ext cx="7964970" cy="2283804"/>
+                </a:xfrm>
+                <a:prstGeom prst="bracketPair">
+                  <a:avLst/>
+                </a:prstGeom>
+                <a:ln w="76200"/>
+              </p:spPr>
+              <p:style>
+                <a:lnRef idx="1">
+                  <a:schemeClr val="accent1"/>
+                </a:lnRef>
+                <a:fillRef idx="0">
+                  <a:schemeClr val="accent1"/>
+                </a:fillRef>
+                <a:effectRef idx="0">
+                  <a:schemeClr val="accent1"/>
+                </a:effectRef>
+                <a:fontRef idx="minor">
+                  <a:schemeClr val="tx1"/>
+                </a:fontRef>
+              </p:style>
+              <p:txBody>
+                <a:bodyPr rtlCol="0" anchor="ctr"/>
+                <a:lstStyle/>
+                <a:p>
+                  <a:pPr algn="ctr"/>
+                  <a:endParaRPr kumimoji="1" lang="ja-JP" altLang="en-US" sz="5400"/>
+                </a:p>
+              </p:txBody>
+            </p:sp>
+            <p:cxnSp>
+              <p:nvCxnSpPr>
+                <p:cNvPr id="211" name="直線コネクタ 210"/>
+                <p:cNvCxnSpPr/>
+                <p:nvPr/>
+              </p:nvCxnSpPr>
+              <p:spPr>
+                <a:xfrm>
+                  <a:off x="6976902" y="16272549"/>
+                  <a:ext cx="7392466" cy="0"/>
+                </a:xfrm>
+                <a:prstGeom prst="line">
+                  <a:avLst/>
+                </a:prstGeom>
+                <a:ln w="76200"/>
+              </p:spPr>
+              <p:style>
+                <a:lnRef idx="1">
+                  <a:schemeClr val="accent1"/>
+                </a:lnRef>
+                <a:fillRef idx="0">
+                  <a:schemeClr val="accent1"/>
+                </a:fillRef>
+                <a:effectRef idx="0">
+                  <a:schemeClr val="accent1"/>
+                </a:effectRef>
+                <a:fontRef idx="minor">
+                  <a:schemeClr val="tx1"/>
+                </a:fontRef>
+              </p:style>
+            </p:cxnSp>
+          </p:grpSp>
+          <p:cxnSp>
+            <p:nvCxnSpPr>
+              <p:cNvPr id="208" name="直線コネクタ 207"/>
+              <p:cNvCxnSpPr/>
+              <p:nvPr/>
+            </p:nvCxnSpPr>
             <p:spPr>
               <a:xfrm>
-                <a:off x="6674911" y="14475365"/>
-                <a:ext cx="7964970" cy="2283804"/>
+                <a:off x="7013787" y="13988736"/>
+                <a:ext cx="1505414" cy="0"/>
               </a:xfrm>
-              <a:prstGeom prst="bracketPair">
+              <a:prstGeom prst="line">
                 <a:avLst/>
               </a:prstGeom>
               <a:ln w="76200"/>
@@ -5273,25 +5367,17 @@
                 <a:schemeClr val="tx1"/>
               </a:fontRef>
             </p:style>
-            <p:txBody>
-              <a:bodyPr rtlCol="0" anchor="ctr"/>
-              <a:lstStyle/>
-              <a:p>
-                <a:pPr algn="ctr"/>
-                <a:endParaRPr kumimoji="1" lang="ja-JP" altLang="en-US" sz="5400"/>
-              </a:p>
-            </p:txBody>
-          </p:sp>
+          </p:cxnSp>
           <p:cxnSp>
             <p:nvCxnSpPr>
-              <p:cNvPr id="211" name="直線コネクタ 210"/>
+              <p:cNvPr id="209" name="直線コネクタ 208"/>
               <p:cNvCxnSpPr/>
               <p:nvPr/>
             </p:nvCxnSpPr>
             <p:spPr>
               <a:xfrm>
-                <a:off x="6976902" y="16759169"/>
-                <a:ext cx="7392466" cy="0"/>
+                <a:off x="12888540" y="13986102"/>
+                <a:ext cx="1435314" cy="2635"/>
               </a:xfrm>
               <a:prstGeom prst="line">
                 <a:avLst/>
@@ -5314,52 +5400,55 @@
             </p:style>
           </p:cxnSp>
         </p:grpSp>
+        <p:sp>
+          <p:nvSpPr>
+            <p:cNvPr id="166" name="テキスト ボックス 165"/>
+            <p:cNvSpPr txBox="1"/>
+            <p:nvPr/>
+          </p:nvSpPr>
+          <p:spPr>
+            <a:xfrm>
+              <a:off x="14581832" y="19372724"/>
+              <a:ext cx="4275231" cy="830997"/>
+            </a:xfrm>
+            <a:prstGeom prst="rect">
+              <a:avLst/>
+            </a:prstGeom>
+            <a:noFill/>
+          </p:spPr>
+          <p:txBody>
+            <a:bodyPr wrap="square" rtlCol="0">
+              <a:spAutoFit/>
+            </a:bodyPr>
+            <a:lstStyle/>
+            <a:p>
+              <a:r>
+                <a:rPr kumimoji="1" lang="ja-JP" altLang="en-US" sz="4400" dirty="0" smtClean="0"/>
+                <a:t>そのために．．</a:t>
+              </a:r>
+              <a:r>
+                <a:rPr kumimoji="1" lang="ja-JP" altLang="en-US" sz="4800" dirty="0" smtClean="0"/>
+                <a:t>．</a:t>
+              </a:r>
+              <a:endParaRPr kumimoji="1" lang="ja-JP" altLang="en-US" sz="4800" dirty="0"/>
+            </a:p>
+          </p:txBody>
+        </p:sp>
         <p:cxnSp>
           <p:nvCxnSpPr>
-            <p:cNvPr id="208" name="直線コネクタ 207"/>
+            <p:cNvPr id="171" name="直線コネクタ 170"/>
             <p:cNvCxnSpPr/>
             <p:nvPr/>
           </p:nvCxnSpPr>
           <p:spPr>
             <a:xfrm>
-              <a:off x="7013787" y="14475365"/>
-              <a:ext cx="1505414" cy="0"/>
+              <a:off x="10671851" y="21100983"/>
+              <a:ext cx="1333842" cy="0"/>
             </a:xfrm>
             <a:prstGeom prst="line">
               <a:avLst/>
             </a:prstGeom>
-            <a:ln w="76200"/>
-          </p:spPr>
-          <p:style>
-            <a:lnRef idx="1">
-              <a:schemeClr val="accent1"/>
-            </a:lnRef>
-            <a:fillRef idx="0">
-              <a:schemeClr val="accent1"/>
-            </a:fillRef>
-            <a:effectRef idx="0">
-              <a:schemeClr val="accent1"/>
-            </a:effectRef>
-            <a:fontRef idx="minor">
-              <a:schemeClr val="tx1"/>
-            </a:fontRef>
-          </p:style>
-        </p:cxnSp>
-        <p:cxnSp>
-          <p:nvCxnSpPr>
-            <p:cNvPr id="209" name="直線コネクタ 208"/>
-            <p:cNvCxnSpPr/>
-            <p:nvPr/>
-          </p:nvCxnSpPr>
-          <p:spPr>
-            <a:xfrm>
-              <a:off x="12801869" y="14472730"/>
-              <a:ext cx="1435314" cy="2635"/>
-            </a:xfrm>
-            <a:prstGeom prst="line">
-              <a:avLst/>
-            </a:prstGeom>
-            <a:ln w="76200"/>
+            <a:ln w="139700" cap="rnd"/>
           </p:spPr>
           <p:style>
             <a:lnRef idx="1">
@@ -5377,75 +5466,6 @@
           </p:style>
         </p:cxnSp>
       </p:grpSp>
-      <p:sp>
-        <p:nvSpPr>
-          <p:cNvPr id="166" name="テキスト ボックス 165"/>
-          <p:cNvSpPr txBox="1"/>
-          <p:nvPr/>
-        </p:nvSpPr>
-        <p:spPr>
-          <a:xfrm>
-            <a:off x="14581832" y="19914936"/>
-            <a:ext cx="4275231" cy="830997"/>
-          </a:xfrm>
-          <a:prstGeom prst="rect">
-            <a:avLst/>
-          </a:prstGeom>
-          <a:noFill/>
-        </p:spPr>
-        <p:txBody>
-          <a:bodyPr wrap="square" rtlCol="0">
-            <a:spAutoFit/>
-          </a:bodyPr>
-          <a:lstStyle/>
-          <a:p>
-            <a:r>
-              <a:rPr kumimoji="1" lang="ja-JP" altLang="en-US" sz="4400" dirty="0" smtClean="0"/>
-              <a:t>そのために</a:t>
-            </a:r>
-            <a:r>
-              <a:rPr kumimoji="1" lang="ja-JP" altLang="en-US" sz="4400" dirty="0" smtClean="0"/>
-              <a:t>．．</a:t>
-            </a:r>
-            <a:r>
-              <a:rPr kumimoji="1" lang="ja-JP" altLang="en-US" sz="4800" dirty="0" smtClean="0"/>
-              <a:t>．</a:t>
-            </a:r>
-            <a:endParaRPr kumimoji="1" lang="ja-JP" altLang="en-US" sz="4800" dirty="0"/>
-          </a:p>
-        </p:txBody>
-      </p:sp>
-      <p:cxnSp>
-        <p:nvCxnSpPr>
-          <p:cNvPr id="171" name="直線コネクタ 170"/>
-          <p:cNvCxnSpPr/>
-          <p:nvPr/>
-        </p:nvCxnSpPr>
-        <p:spPr>
-          <a:xfrm>
-            <a:off x="10685314" y="21613979"/>
-            <a:ext cx="1333842" cy="0"/>
-          </a:xfrm>
-          <a:prstGeom prst="line">
-            <a:avLst/>
-          </a:prstGeom>
-          <a:ln w="139700" cap="rnd"/>
-        </p:spPr>
-        <p:style>
-          <a:lnRef idx="1">
-            <a:schemeClr val="accent1"/>
-          </a:lnRef>
-          <a:fillRef idx="0">
-            <a:schemeClr val="accent1"/>
-          </a:fillRef>
-          <a:effectRef idx="0">
-            <a:schemeClr val="accent1"/>
-          </a:effectRef>
-          <a:fontRef idx="minor">
-            <a:schemeClr val="tx1"/>
-          </a:fontRef>
-        </p:style>
-      </p:cxnSp>
       <p:cxnSp>
         <p:nvCxnSpPr>
           <p:cNvPr id="173" name="直線矢印コネクタ 172"/>
@@ -5454,7 +5474,7 @@
         </p:nvCxnSpPr>
         <p:spPr>
           <a:xfrm>
-            <a:off x="7957096" y="27669379"/>
+            <a:off x="7851548" y="27613656"/>
             <a:ext cx="5466463" cy="0"/>
           </a:xfrm>
           <a:prstGeom prst="straightConnector1">
@@ -5503,8 +5523,8 @@
         </p:blipFill>
         <p:spPr bwMode="auto">
           <a:xfrm>
-            <a:off x="2357926" y="25294125"/>
-            <a:ext cx="5259196" cy="3944396"/>
+            <a:off x="2464477" y="25901749"/>
+            <a:ext cx="4565087" cy="3423814"/>
           </a:xfrm>
           <a:prstGeom prst="rect">
             <a:avLst/>
@@ -5544,7 +5564,7 @@
         </p:blipFill>
         <p:spPr bwMode="auto">
           <a:xfrm>
-            <a:off x="13812513" y="25294125"/>
+            <a:off x="14111406" y="25641457"/>
             <a:ext cx="5259196" cy="3944397"/>
           </a:xfrm>
           <a:prstGeom prst="rect">
@@ -5562,6 +5582,422 @@
           </a:extLst>
         </p:spPr>
       </p:pic>
+      <p:sp>
+        <p:nvSpPr>
+          <p:cNvPr id="3" name="テキスト ボックス 2"/>
+          <p:cNvSpPr txBox="1"/>
+          <p:nvPr/>
+        </p:nvSpPr>
+        <p:spPr>
+          <a:xfrm>
+            <a:off x="9336614" y="22484803"/>
+            <a:ext cx="3156986" cy="1446550"/>
+          </a:xfrm>
+          <a:prstGeom prst="rect">
+            <a:avLst/>
+          </a:prstGeom>
+          <a:noFill/>
+        </p:spPr>
+        <p:txBody>
+          <a:bodyPr wrap="square" rtlCol="0">
+            <a:spAutoFit/>
+          </a:bodyPr>
+          <a:lstStyle/>
+          <a:p>
+            <a:r>
+              <a:rPr kumimoji="1" lang="ja-JP" altLang="en-US" sz="8800" dirty="0" smtClean="0">
+                <a:latin typeface="+mn-ea"/>
+              </a:rPr>
+              <a:t>アプリ</a:t>
+            </a:r>
+            <a:endParaRPr kumimoji="1" lang="ja-JP" altLang="en-US" sz="8800" dirty="0">
+              <a:latin typeface="+mn-ea"/>
+            </a:endParaRPr>
+          </a:p>
+        </p:txBody>
+      </p:sp>
+      <p:sp>
+        <p:nvSpPr>
+          <p:cNvPr id="5" name="円弧 4"/>
+          <p:cNvSpPr/>
+          <p:nvPr/>
+        </p:nvSpPr>
+        <p:spPr>
+          <a:xfrm rot="6102768">
+            <a:off x="9177750" y="21527182"/>
+            <a:ext cx="3251560" cy="3374862"/>
+          </a:xfrm>
+          <a:prstGeom prst="arc">
+            <a:avLst>
+              <a:gd name="adj1" fmla="val 10279325"/>
+              <a:gd name="adj2" fmla="val 20807521"/>
+            </a:avLst>
+          </a:prstGeom>
+          <a:ln w="139700">
+            <a:solidFill>
+              <a:srgbClr val="0070C0"/>
+            </a:solidFill>
+          </a:ln>
+        </p:spPr>
+        <p:style>
+          <a:lnRef idx="1">
+            <a:schemeClr val="accent1"/>
+          </a:lnRef>
+          <a:fillRef idx="0">
+            <a:schemeClr val="accent1"/>
+          </a:fillRef>
+          <a:effectRef idx="0">
+            <a:schemeClr val="accent1"/>
+          </a:effectRef>
+          <a:fontRef idx="minor">
+            <a:schemeClr val="tx1"/>
+          </a:fontRef>
+        </p:style>
+        <p:txBody>
+          <a:bodyPr rtlCol="0" anchor="ctr"/>
+          <a:lstStyle/>
+          <a:p>
+            <a:pPr algn="ctr"/>
+            <a:endParaRPr kumimoji="1" lang="ja-JP" altLang="en-US"/>
+          </a:p>
+        </p:txBody>
+      </p:sp>
+      <p:sp>
+        <p:nvSpPr>
+          <p:cNvPr id="55" name="円弧 54"/>
+          <p:cNvSpPr/>
+          <p:nvPr/>
+        </p:nvSpPr>
+        <p:spPr>
+          <a:xfrm rot="16796348">
+            <a:off x="9213133" y="21497026"/>
+            <a:ext cx="3251560" cy="3374862"/>
+          </a:xfrm>
+          <a:prstGeom prst="arc">
+            <a:avLst>
+              <a:gd name="adj1" fmla="val 10260096"/>
+              <a:gd name="adj2" fmla="val 21141915"/>
+            </a:avLst>
+          </a:prstGeom>
+          <a:ln w="139700">
+            <a:solidFill>
+              <a:srgbClr val="00B050"/>
+            </a:solidFill>
+          </a:ln>
+        </p:spPr>
+        <p:style>
+          <a:lnRef idx="1">
+            <a:schemeClr val="accent1"/>
+          </a:lnRef>
+          <a:fillRef idx="0">
+            <a:schemeClr val="accent1"/>
+          </a:fillRef>
+          <a:effectRef idx="0">
+            <a:schemeClr val="accent1"/>
+          </a:effectRef>
+          <a:fontRef idx="minor">
+            <a:schemeClr val="tx1"/>
+          </a:fontRef>
+        </p:style>
+        <p:txBody>
+          <a:bodyPr rtlCol="0" anchor="ctr"/>
+          <a:lstStyle/>
+          <a:p>
+            <a:pPr algn="ctr"/>
+            <a:endParaRPr kumimoji="1" lang="ja-JP" altLang="en-US"/>
+          </a:p>
+        </p:txBody>
+      </p:sp>
+      <p:cxnSp>
+        <p:nvCxnSpPr>
+          <p:cNvPr id="9" name="直線矢印コネクタ 8"/>
+          <p:cNvCxnSpPr/>
+          <p:nvPr/>
+        </p:nvCxnSpPr>
+        <p:spPr>
+          <a:xfrm>
+            <a:off x="5540392" y="23348899"/>
+            <a:ext cx="3163106" cy="0"/>
+          </a:xfrm>
+          <a:prstGeom prst="straightConnector1">
+            <a:avLst/>
+          </a:prstGeom>
+          <a:ln w="139700">
+            <a:solidFill>
+              <a:srgbClr val="00B050"/>
+            </a:solidFill>
+            <a:headEnd type="arrow"/>
+            <a:tailEnd type="arrow"/>
+          </a:ln>
+        </p:spPr>
+        <p:style>
+          <a:lnRef idx="1">
+            <a:schemeClr val="accent1"/>
+          </a:lnRef>
+          <a:fillRef idx="0">
+            <a:schemeClr val="accent1"/>
+          </a:fillRef>
+          <a:effectRef idx="0">
+            <a:schemeClr val="accent1"/>
+          </a:effectRef>
+          <a:fontRef idx="minor">
+            <a:schemeClr val="tx1"/>
+          </a:fontRef>
+        </p:style>
+      </p:cxnSp>
+      <p:sp>
+        <p:nvSpPr>
+          <p:cNvPr id="13" name="テキスト ボックス 12"/>
+          <p:cNvSpPr txBox="1"/>
+          <p:nvPr/>
+        </p:nvSpPr>
+        <p:spPr>
+          <a:xfrm>
+            <a:off x="1404368" y="22201995"/>
+            <a:ext cx="4231035" cy="1938992"/>
+          </a:xfrm>
+          <a:prstGeom prst="rect">
+            <a:avLst/>
+          </a:prstGeom>
+          <a:noFill/>
+        </p:spPr>
+        <p:txBody>
+          <a:bodyPr wrap="square" rtlCol="0">
+            <a:spAutoFit/>
+          </a:bodyPr>
+          <a:lstStyle/>
+          <a:p>
+            <a:pPr algn="ctr"/>
+            <a:r>
+              <a:rPr kumimoji="1" lang="ja-JP" altLang="en-US" sz="6000" b="1" dirty="0" smtClean="0">
+                <a:solidFill>
+                  <a:srgbClr val="00B050"/>
+                </a:solidFill>
+              </a:rPr>
+              <a:t>品質</a:t>
+            </a:r>
+            <a:endParaRPr kumimoji="1" lang="en-US" altLang="ja-JP" sz="6000" b="1" dirty="0" smtClean="0">
+              <a:solidFill>
+                <a:srgbClr val="00B050"/>
+              </a:solidFill>
+            </a:endParaRPr>
+          </a:p>
+          <a:p>
+            <a:pPr algn="ctr"/>
+            <a:r>
+              <a:rPr kumimoji="1" lang="ja-JP" altLang="en-US" sz="6000" b="1" dirty="0" smtClean="0">
+                <a:solidFill>
+                  <a:srgbClr val="00B050"/>
+                </a:solidFill>
+              </a:rPr>
+              <a:t>マネジメント</a:t>
+            </a:r>
+            <a:endParaRPr kumimoji="1" lang="ja-JP" altLang="en-US" sz="6000" b="1" dirty="0">
+              <a:solidFill>
+                <a:srgbClr val="00B050"/>
+              </a:solidFill>
+            </a:endParaRPr>
+          </a:p>
+        </p:txBody>
+      </p:sp>
+      <p:sp>
+        <p:nvSpPr>
+          <p:cNvPr id="15" name="テキスト ボックス 14"/>
+          <p:cNvSpPr txBox="1"/>
+          <p:nvPr/>
+        </p:nvSpPr>
+        <p:spPr>
+          <a:xfrm>
+            <a:off x="6259162" y="21722518"/>
+            <a:ext cx="1935056" cy="984885"/>
+          </a:xfrm>
+          <a:prstGeom prst="rect">
+            <a:avLst/>
+          </a:prstGeom>
+          <a:noFill/>
+        </p:spPr>
+        <p:txBody>
+          <a:bodyPr wrap="square" rtlCol="0">
+            <a:spAutoFit/>
+          </a:bodyPr>
+          <a:lstStyle/>
+          <a:p>
+            <a:r>
+              <a:rPr kumimoji="1" lang="ja-JP" altLang="en-US" b="1" dirty="0" smtClean="0">
+                <a:solidFill>
+                  <a:srgbClr val="00B050"/>
+                </a:solidFill>
+              </a:rPr>
+              <a:t>品質</a:t>
+            </a:r>
+            <a:endParaRPr kumimoji="1" lang="ja-JP" altLang="en-US" b="1" dirty="0">
+              <a:solidFill>
+                <a:srgbClr val="00B050"/>
+              </a:solidFill>
+            </a:endParaRPr>
+          </a:p>
+        </p:txBody>
+      </p:sp>
+      <p:cxnSp>
+        <p:nvCxnSpPr>
+          <p:cNvPr id="65" name="直線矢印コネクタ 64"/>
+          <p:cNvCxnSpPr/>
+          <p:nvPr/>
+        </p:nvCxnSpPr>
+        <p:spPr>
+          <a:xfrm>
+            <a:off x="12858886" y="23348899"/>
+            <a:ext cx="3540583" cy="0"/>
+          </a:xfrm>
+          <a:prstGeom prst="straightConnector1">
+            <a:avLst/>
+          </a:prstGeom>
+          <a:ln w="139700">
+            <a:solidFill>
+              <a:srgbClr val="0070C0"/>
+            </a:solidFill>
+            <a:headEnd type="arrow"/>
+            <a:tailEnd type="arrow"/>
+          </a:ln>
+        </p:spPr>
+        <p:style>
+          <a:lnRef idx="1">
+            <a:schemeClr val="accent1"/>
+          </a:lnRef>
+          <a:fillRef idx="0">
+            <a:schemeClr val="accent1"/>
+          </a:fillRef>
+          <a:effectRef idx="0">
+            <a:schemeClr val="accent1"/>
+          </a:effectRef>
+          <a:fontRef idx="minor">
+            <a:schemeClr val="tx1"/>
+          </a:fontRef>
+        </p:style>
+      </p:cxnSp>
+      <p:sp>
+        <p:nvSpPr>
+          <p:cNvPr id="66" name="テキスト ボックス 65"/>
+          <p:cNvSpPr txBox="1"/>
+          <p:nvPr/>
+        </p:nvSpPr>
+        <p:spPr>
+          <a:xfrm>
+            <a:off x="16399469" y="22196771"/>
+            <a:ext cx="4231035" cy="1938992"/>
+          </a:xfrm>
+          <a:prstGeom prst="rect">
+            <a:avLst/>
+          </a:prstGeom>
+          <a:noFill/>
+        </p:spPr>
+        <p:txBody>
+          <a:bodyPr wrap="square" rtlCol="0">
+            <a:spAutoFit/>
+          </a:bodyPr>
+          <a:lstStyle/>
+          <a:p>
+            <a:pPr algn="ctr"/>
+            <a:r>
+              <a:rPr kumimoji="1" lang="ja-JP" altLang="en-US" sz="6000" b="1" dirty="0" smtClean="0">
+                <a:solidFill>
+                  <a:srgbClr val="0070C0"/>
+                </a:solidFill>
+              </a:rPr>
+              <a:t>リスク</a:t>
+            </a:r>
+            <a:endParaRPr kumimoji="1" lang="en-US" altLang="ja-JP" sz="6000" b="1" dirty="0" smtClean="0">
+              <a:solidFill>
+                <a:srgbClr val="0070C0"/>
+              </a:solidFill>
+            </a:endParaRPr>
+          </a:p>
+          <a:p>
+            <a:pPr algn="ctr"/>
+            <a:r>
+              <a:rPr kumimoji="1" lang="ja-JP" altLang="en-US" sz="6000" b="1" dirty="0" smtClean="0">
+                <a:solidFill>
+                  <a:srgbClr val="0070C0"/>
+                </a:solidFill>
+              </a:rPr>
+              <a:t>マネジメント</a:t>
+            </a:r>
+            <a:endParaRPr kumimoji="1" lang="ja-JP" altLang="en-US" sz="6000" b="1" dirty="0">
+              <a:solidFill>
+                <a:srgbClr val="0070C0"/>
+              </a:solidFill>
+            </a:endParaRPr>
+          </a:p>
+        </p:txBody>
+      </p:sp>
+      <p:sp>
+        <p:nvSpPr>
+          <p:cNvPr id="67" name="テキスト ボックス 66"/>
+          <p:cNvSpPr txBox="1"/>
+          <p:nvPr/>
+        </p:nvSpPr>
+        <p:spPr>
+          <a:xfrm>
+            <a:off x="13036724" y="21819944"/>
+            <a:ext cx="3184905" cy="984885"/>
+          </a:xfrm>
+          <a:prstGeom prst="rect">
+            <a:avLst/>
+          </a:prstGeom>
+          <a:noFill/>
+        </p:spPr>
+        <p:txBody>
+          <a:bodyPr wrap="square" rtlCol="0">
+            <a:spAutoFit/>
+          </a:bodyPr>
+          <a:lstStyle/>
+          <a:p>
+            <a:r>
+              <a:rPr kumimoji="1" lang="ja-JP" altLang="en-US" b="1" dirty="0" smtClean="0">
+                <a:solidFill>
+                  <a:srgbClr val="0070C0"/>
+                </a:solidFill>
+              </a:rPr>
+              <a:t>開発遅れ</a:t>
+            </a:r>
+            <a:endParaRPr kumimoji="1" lang="ja-JP" altLang="en-US" b="1" dirty="0">
+              <a:solidFill>
+                <a:srgbClr val="0070C0"/>
+              </a:solidFill>
+            </a:endParaRPr>
+          </a:p>
+        </p:txBody>
+      </p:sp>
+      <p:sp>
+        <p:nvSpPr>
+          <p:cNvPr id="71" name="テキスト ボックス 70"/>
+          <p:cNvSpPr txBox="1"/>
+          <p:nvPr/>
+        </p:nvSpPr>
+        <p:spPr>
+          <a:xfrm>
+            <a:off x="972319" y="20324563"/>
+            <a:ext cx="6254371" cy="1107996"/>
+          </a:xfrm>
+          <a:prstGeom prst="rect">
+            <a:avLst/>
+          </a:prstGeom>
+          <a:noFill/>
+        </p:spPr>
+        <p:txBody>
+          <a:bodyPr wrap="square" rtlCol="0">
+            <a:spAutoFit/>
+          </a:bodyPr>
+          <a:lstStyle/>
+          <a:p>
+            <a:r>
+              <a:rPr kumimoji="1" lang="ja-JP" altLang="en-US" sz="6600" b="1" dirty="0" smtClean="0"/>
+              <a:t>マネジメント関連</a:t>
+            </a:r>
+            <a:endParaRPr kumimoji="1" lang="ja-JP" altLang="en-US" sz="6600" b="1" dirty="0"/>
+          </a:p>
+        </p:txBody>
+      </p:sp>
     </p:spTree>
   </p:cSld>
   <p:clrMapOvr>
